--- a/DevTools.pptx
+++ b/DevTools.pptx
@@ -227,6 +227,11 @@
       </a:defRPr>
     </a:lvl9pPr>
   </p:defaultTextStyle>
+  <p:extLst>
+    <p:ext uri="{EFAFB233-063F-42B5-8137-9DF3F51BA10A}">
+      <p15:sldGuideLst xmlns:p15="http://schemas.microsoft.com/office/powerpoint/2012/main"/>
+    </p:ext>
+  </p:extLst>
 </p:presentation>
 </file>
 
@@ -6054,8 +6059,8 @@
         </p:nvSpPr>
         <p:spPr>
           <a:xfrm>
-            <a:off x="311700" y="1152475"/>
-            <a:ext cx="8520600" cy="3416400"/>
+            <a:off x="311700" y="914400"/>
+            <a:ext cx="8520600" cy="4018843"/>
           </a:xfrm>
           <a:prstGeom prst="rect">
             <a:avLst/>
@@ -6077,8 +6082,8 @@
               <a:buChar char="-"/>
             </a:pPr>
             <a:r>
-              <a:rPr lang="en"/>
-              <a:t>Add more APIs to work with (like Twitter, Slack, Slash Dot, etc.) when we know how to properly use node.js/oAuth</a:t>
+              <a:rPr lang="en" dirty="0"/>
+              <a:t>Add more APIs to work after learning about Node.js</a:t>
             </a:r>
           </a:p>
           <a:p>
@@ -6092,7 +6097,7 @@
               <a:buChar char="-"/>
             </a:pPr>
             <a:r>
-              <a:rPr lang="en"/>
+              <a:rPr lang="en" dirty="0"/>
               <a:t>Add username and e-mail authentication in addition to Google authentication</a:t>
             </a:r>
           </a:p>
@@ -6107,7 +6112,7 @@
               <a:buChar char="-"/>
             </a:pPr>
             <a:r>
-              <a:rPr lang="en"/>
+              <a:rPr lang="en" dirty="0"/>
               <a:t> Working in two.js to make smaller versions of the logo that are still able to animate; displaying them at different screen sizes via media queries</a:t>
             </a:r>
           </a:p>
@@ -6122,18 +6127,34 @@
               <a:buChar char="-"/>
             </a:pPr>
             <a:r>
-              <a:rPr lang="en"/>
+              <a:rPr lang="en" dirty="0"/>
               <a:t>Find ways to make it run faster</a:t>
             </a:r>
           </a:p>
           <a:p>
+            <a:pPr marL="457200" lvl="0" indent="-228600" rtl="0">
+              <a:lnSpc>
+                <a:spcPct val="150000"/>
+              </a:lnSpc>
+              <a:spcBef>
+                <a:spcPts val="0"/>
+              </a:spcBef>
+              <a:buChar char="-"/>
+            </a:pPr>
+            <a:r>
+              <a:rPr lang="en-US" dirty="0"/>
+              <a:t>Other: save button to work on one click, include YouTube images on Save page, error message when not signed in, align drop-down menu</a:t>
+            </a:r>
+            <a:endParaRPr lang="en" dirty="0"/>
+          </a:p>
+          <a:p>
             <a:pPr lvl="0" rtl="0">
               <a:spcBef>
                 <a:spcPts val="0"/>
               </a:spcBef>
               <a:buNone/>
             </a:pPr>
-            <a:endParaRPr/>
+            <a:endParaRPr dirty="0"/>
           </a:p>
         </p:txBody>
       </p:sp>
